--- a/逆minesweeper 最終発表.pptx
+++ b/逆minesweeper 最終発表.pptx
@@ -20,8 +20,9 @@
     <p:sldId id="263" r:id="rId14"/>
     <p:sldId id="265" r:id="rId15"/>
     <p:sldId id="266" r:id="rId16"/>
-    <p:sldId id="274" r:id="rId17"/>
-    <p:sldId id="275" r:id="rId18"/>
+    <p:sldId id="276" r:id="rId17"/>
+    <p:sldId id="274" r:id="rId18"/>
+    <p:sldId id="275" r:id="rId19"/>
   </p:sldIdLst>
   <p:sldSz cx="12192000" cy="6858000"/>
   <p:notesSz cx="6858000" cy="9144000"/>
@@ -257,7 +258,7 @@
           <a:p>
             <a:fld id="{F4BF5C5D-D401-4B80-922B-8926FE5B6186}" type="datetimeFigureOut">
               <a:rPr kumimoji="1" lang="ja-JP" altLang="en-US" smtClean="0"/>
-              <a:t>2019/1/27</a:t>
+              <a:t>2019/1/28</a:t>
             </a:fld>
             <a:endParaRPr kumimoji="1" lang="ja-JP" altLang="en-US"/>
           </a:p>
@@ -457,7 +458,7 @@
           <a:p>
             <a:fld id="{F4BF5C5D-D401-4B80-922B-8926FE5B6186}" type="datetimeFigureOut">
               <a:rPr kumimoji="1" lang="ja-JP" altLang="en-US" smtClean="0"/>
-              <a:t>2019/1/27</a:t>
+              <a:t>2019/1/28</a:t>
             </a:fld>
             <a:endParaRPr kumimoji="1" lang="ja-JP" altLang="en-US"/>
           </a:p>
@@ -667,7 +668,7 @@
           <a:p>
             <a:fld id="{F4BF5C5D-D401-4B80-922B-8926FE5B6186}" type="datetimeFigureOut">
               <a:rPr kumimoji="1" lang="ja-JP" altLang="en-US" smtClean="0"/>
-              <a:t>2019/1/27</a:t>
+              <a:t>2019/1/28</a:t>
             </a:fld>
             <a:endParaRPr kumimoji="1" lang="ja-JP" altLang="en-US"/>
           </a:p>
@@ -867,7 +868,7 @@
           <a:p>
             <a:fld id="{F4BF5C5D-D401-4B80-922B-8926FE5B6186}" type="datetimeFigureOut">
               <a:rPr kumimoji="1" lang="ja-JP" altLang="en-US" smtClean="0"/>
-              <a:t>2019/1/27</a:t>
+              <a:t>2019/1/28</a:t>
             </a:fld>
             <a:endParaRPr kumimoji="1" lang="ja-JP" altLang="en-US"/>
           </a:p>
@@ -1112,7 +1113,7 @@
           <a:p>
             <a:fld id="{F4BF5C5D-D401-4B80-922B-8926FE5B6186}" type="datetimeFigureOut">
               <a:rPr kumimoji="1" lang="ja-JP" altLang="en-US" smtClean="0"/>
-              <a:t>2019/1/27</a:t>
+              <a:t>2019/1/28</a:t>
             </a:fld>
             <a:endParaRPr kumimoji="1" lang="ja-JP" altLang="en-US"/>
           </a:p>
@@ -1405,7 +1406,7 @@
           <a:p>
             <a:fld id="{F4BF5C5D-D401-4B80-922B-8926FE5B6186}" type="datetimeFigureOut">
               <a:rPr kumimoji="1" lang="ja-JP" altLang="en-US" smtClean="0"/>
-              <a:t>2019/1/27</a:t>
+              <a:t>2019/1/28</a:t>
             </a:fld>
             <a:endParaRPr kumimoji="1" lang="ja-JP" altLang="en-US"/>
           </a:p>
@@ -1833,7 +1834,7 @@
           <a:p>
             <a:fld id="{F4BF5C5D-D401-4B80-922B-8926FE5B6186}" type="datetimeFigureOut">
               <a:rPr kumimoji="1" lang="ja-JP" altLang="en-US" smtClean="0"/>
-              <a:t>2019/1/27</a:t>
+              <a:t>2019/1/28</a:t>
             </a:fld>
             <a:endParaRPr kumimoji="1" lang="ja-JP" altLang="en-US"/>
           </a:p>
@@ -1950,7 +1951,7 @@
           <a:p>
             <a:fld id="{F4BF5C5D-D401-4B80-922B-8926FE5B6186}" type="datetimeFigureOut">
               <a:rPr kumimoji="1" lang="ja-JP" altLang="en-US" smtClean="0"/>
-              <a:t>2019/1/27</a:t>
+              <a:t>2019/1/28</a:t>
             </a:fld>
             <a:endParaRPr kumimoji="1" lang="ja-JP" altLang="en-US"/>
           </a:p>
@@ -2045,7 +2046,7 @@
           <a:p>
             <a:fld id="{F4BF5C5D-D401-4B80-922B-8926FE5B6186}" type="datetimeFigureOut">
               <a:rPr kumimoji="1" lang="ja-JP" altLang="en-US" smtClean="0"/>
-              <a:t>2019/1/27</a:t>
+              <a:t>2019/1/28</a:t>
             </a:fld>
             <a:endParaRPr kumimoji="1" lang="ja-JP" altLang="en-US"/>
           </a:p>
@@ -2352,7 +2353,7 @@
           <a:p>
             <a:fld id="{F4BF5C5D-D401-4B80-922B-8926FE5B6186}" type="datetimeFigureOut">
               <a:rPr kumimoji="1" lang="ja-JP" altLang="en-US" smtClean="0"/>
-              <a:t>2019/1/27</a:t>
+              <a:t>2019/1/28</a:t>
             </a:fld>
             <a:endParaRPr kumimoji="1" lang="ja-JP" altLang="en-US"/>
           </a:p>
@@ -2604,7 +2605,7 @@
           <a:p>
             <a:fld id="{F4BF5C5D-D401-4B80-922B-8926FE5B6186}" type="datetimeFigureOut">
               <a:rPr kumimoji="1" lang="ja-JP" altLang="en-US" smtClean="0"/>
-              <a:t>2019/1/27</a:t>
+              <a:t>2019/1/28</a:t>
             </a:fld>
             <a:endParaRPr kumimoji="1" lang="ja-JP" altLang="en-US"/>
           </a:p>
@@ -2847,7 +2848,7 @@
           <a:p>
             <a:fld id="{F4BF5C5D-D401-4B80-922B-8926FE5B6186}" type="datetimeFigureOut">
               <a:rPr kumimoji="1" lang="ja-JP" altLang="en-US" smtClean="0"/>
-              <a:t>2019/1/27</a:t>
+              <a:t>2019/1/28</a:t>
             </a:fld>
             <a:endParaRPr kumimoji="1" lang="ja-JP" altLang="en-US"/>
           </a:p>
@@ -5622,6 +5623,310 @@
       </p:grpSpPr>
       <p:pic>
         <p:nvPicPr>
+          <p:cNvPr id="18" name="図 17">
+            <a:extLst>
+              <a:ext uri="{FF2B5EF4-FFF2-40B4-BE49-F238E27FC236}">
+                <a16:creationId xmlns:a16="http://schemas.microsoft.com/office/drawing/2014/main" id="{EC4DFD93-B1A0-40F4-B853-F4F854EE5FC2}"/>
+              </a:ext>
+            </a:extLst>
+          </p:cNvPr>
+          <p:cNvPicPr>
+            <a:picLocks noChangeAspect="1"/>
+          </p:cNvPicPr>
+          <p:nvPr/>
+        </p:nvPicPr>
+        <p:blipFill rotWithShape="1">
+          <a:blip r:embed="rId2">
+            <a:alphaModFix amt="46000"/>
+            <a:extLst>
+              <a:ext uri="{BEBA8EAE-BF5A-486C-A8C5-ECC9F3942E4B}">
+                <a14:imgProps xmlns:a14="http://schemas.microsoft.com/office/drawing/2010/main">
+                  <a14:imgLayer r:embed="rId3">
+                    <a14:imgEffect>
+                      <a14:artisticLightScreen/>
+                    </a14:imgEffect>
+                  </a14:imgLayer>
+                </a14:imgProps>
+              </a:ext>
+              <a:ext uri="{28A0092B-C50C-407E-A947-70E740481C1C}">
+                <a14:useLocalDpi xmlns:a14="http://schemas.microsoft.com/office/drawing/2010/main" val="0"/>
+              </a:ext>
+            </a:extLst>
+          </a:blip>
+          <a:srcRect r="500"/>
+          <a:stretch/>
+        </p:blipFill>
+        <p:spPr>
+          <a:xfrm>
+            <a:off x="3552630" y="323570"/>
+            <a:ext cx="6309827" cy="6341535"/>
+          </a:xfrm>
+          <a:prstGeom prst="rect">
+            <a:avLst/>
+          </a:prstGeom>
+          <a:ln>
+            <a:noFill/>
+          </a:ln>
+          <a:effectLst>
+            <a:softEdge rad="635000"/>
+          </a:effectLst>
+        </p:spPr>
+      </p:pic>
+      <p:sp>
+        <p:nvSpPr>
+          <p:cNvPr id="12" name="タイトル 1">
+            <a:extLst>
+              <a:ext uri="{FF2B5EF4-FFF2-40B4-BE49-F238E27FC236}">
+                <a16:creationId xmlns:a16="http://schemas.microsoft.com/office/drawing/2014/main" id="{E09F7B7D-A697-42A1-9B9E-619D1CD218D9}"/>
+              </a:ext>
+            </a:extLst>
+          </p:cNvPr>
+          <p:cNvSpPr txBox="1">
+            <a:spLocks/>
+          </p:cNvSpPr>
+          <p:nvPr/>
+        </p:nvSpPr>
+        <p:spPr>
+          <a:xfrm>
+            <a:off x="768219" y="340331"/>
+            <a:ext cx="5327781" cy="998376"/>
+          </a:xfrm>
+          <a:prstGeom prst="rect">
+            <a:avLst/>
+          </a:prstGeom>
+        </p:spPr>
+        <p:txBody>
+          <a:bodyPr vert="horz" lIns="91440" tIns="45720" rIns="91440" bIns="45720" rtlCol="0" anchor="ctr">
+            <a:normAutofit/>
+          </a:bodyPr>
+          <a:lstStyle>
+            <a:lvl1pPr algn="l" defTabSz="914400" rtl="0" eaLnBrk="1" latinLnBrk="0" hangingPunct="1">
+              <a:lnSpc>
+                <a:spcPct val="90000"/>
+              </a:lnSpc>
+              <a:spcBef>
+                <a:spcPct val="0"/>
+              </a:spcBef>
+              <a:buNone/>
+              <a:defRPr kumimoji="1" sz="4400" kern="1200">
+                <a:solidFill>
+                  <a:schemeClr val="tx1"/>
+                </a:solidFill>
+                <a:latin typeface="+mj-lt"/>
+                <a:ea typeface="+mj-ea"/>
+                <a:cs typeface="+mj-cs"/>
+              </a:defRPr>
+            </a:lvl1pPr>
+          </a:lstStyle>
+          <a:p>
+            <a:r>
+              <a:rPr lang="ja-JP" altLang="en-US" sz="4000" b="1" dirty="0">
+                <a:latin typeface="麗流隷書" panose="02000609000000000000" pitchFamily="1" charset="-128"/>
+                <a:ea typeface="麗流隷書" panose="02000609000000000000" pitchFamily="1" charset="-128"/>
+              </a:rPr>
+              <a:t>ゲームの流れ</a:t>
+            </a:r>
+            <a:r>
+              <a:rPr lang="en-US" altLang="ja-JP" sz="4000" b="1" dirty="0">
+                <a:latin typeface="麗流隷書" panose="02000609000000000000" pitchFamily="1" charset="-128"/>
+                <a:ea typeface="麗流隷書" panose="02000609000000000000" pitchFamily="1" charset="-128"/>
+              </a:rPr>
+              <a:t>(4)</a:t>
+            </a:r>
+            <a:endParaRPr lang="ja-JP" altLang="en-US" sz="4000" b="1" dirty="0">
+              <a:latin typeface="麗流隷書" panose="02000609000000000000" pitchFamily="1" charset="-128"/>
+              <a:ea typeface="麗流隷書" panose="02000609000000000000" pitchFamily="1" charset="-128"/>
+            </a:endParaRPr>
+          </a:p>
+        </p:txBody>
+      </p:sp>
+      <p:cxnSp>
+        <p:nvCxnSpPr>
+          <p:cNvPr id="14" name="直線コネクタ 13">
+            <a:extLst>
+              <a:ext uri="{FF2B5EF4-FFF2-40B4-BE49-F238E27FC236}">
+                <a16:creationId xmlns:a16="http://schemas.microsoft.com/office/drawing/2014/main" id="{3F74DC98-421A-4E19-A8B6-00D24F0FEC9B}"/>
+              </a:ext>
+            </a:extLst>
+          </p:cNvPr>
+          <p:cNvCxnSpPr>
+            <a:cxnSpLocks/>
+          </p:cNvCxnSpPr>
+          <p:nvPr/>
+        </p:nvCxnSpPr>
+        <p:spPr>
+          <a:xfrm>
+            <a:off x="877078" y="1129004"/>
+            <a:ext cx="3648269" cy="0"/>
+          </a:xfrm>
+          <a:prstGeom prst="line">
+            <a:avLst/>
+          </a:prstGeom>
+          <a:ln w="88900">
+            <a:gradFill flip="none" rotWithShape="1">
+              <a:gsLst>
+                <a:gs pos="0">
+                  <a:srgbClr val="FF0000"/>
+                </a:gs>
+                <a:gs pos="100000">
+                  <a:schemeClr val="bg1"/>
+                </a:gs>
+                <a:gs pos="31000">
+                  <a:srgbClr val="FF4F4F"/>
+                </a:gs>
+                <a:gs pos="59000">
+                  <a:srgbClr val="FF7575"/>
+                </a:gs>
+                <a:gs pos="100000">
+                  <a:schemeClr val="bg1"/>
+                </a:gs>
+              </a:gsLst>
+              <a:lin ang="0" scaled="1"/>
+              <a:tileRect/>
+            </a:gradFill>
+          </a:ln>
+        </p:spPr>
+        <p:style>
+          <a:lnRef idx="1">
+            <a:schemeClr val="accent1"/>
+          </a:lnRef>
+          <a:fillRef idx="0">
+            <a:schemeClr val="accent1"/>
+          </a:fillRef>
+          <a:effectRef idx="0">
+            <a:schemeClr val="accent1"/>
+          </a:effectRef>
+          <a:fontRef idx="minor">
+            <a:schemeClr val="tx1"/>
+          </a:fontRef>
+        </p:style>
+      </p:cxnSp>
+      <p:pic>
+        <p:nvPicPr>
+          <p:cNvPr id="5" name="図 4">
+            <a:extLst>
+              <a:ext uri="{FF2B5EF4-FFF2-40B4-BE49-F238E27FC236}">
+                <a16:creationId xmlns:a16="http://schemas.microsoft.com/office/drawing/2014/main" id="{F2B10EB0-9148-4B3A-A5EB-874497643D53}"/>
+              </a:ext>
+            </a:extLst>
+          </p:cNvPr>
+          <p:cNvPicPr>
+            <a:picLocks noChangeAspect="1"/>
+          </p:cNvPicPr>
+          <p:nvPr/>
+        </p:nvPicPr>
+        <p:blipFill>
+          <a:blip r:embed="rId4">
+            <a:extLst>
+              <a:ext uri="{28A0092B-C50C-407E-A947-70E740481C1C}">
+                <a14:useLocalDpi xmlns:a14="http://schemas.microsoft.com/office/drawing/2010/main" val="0"/>
+              </a:ext>
+            </a:extLst>
+          </a:blip>
+          <a:stretch>
+            <a:fillRect/>
+          </a:stretch>
+        </p:blipFill>
+        <p:spPr>
+          <a:xfrm>
+            <a:off x="4258406" y="1933698"/>
+            <a:ext cx="3675188" cy="4136416"/>
+          </a:xfrm>
+          <a:prstGeom prst="rect">
+            <a:avLst/>
+          </a:prstGeom>
+        </p:spPr>
+      </p:pic>
+      <p:sp>
+        <p:nvSpPr>
+          <p:cNvPr id="13" name="タイトル 1">
+            <a:extLst>
+              <a:ext uri="{FF2B5EF4-FFF2-40B4-BE49-F238E27FC236}">
+                <a16:creationId xmlns:a16="http://schemas.microsoft.com/office/drawing/2014/main" id="{E9F8A506-ED5D-4411-8D21-C9E327C071C5}"/>
+              </a:ext>
+            </a:extLst>
+          </p:cNvPr>
+          <p:cNvSpPr txBox="1">
+            <a:spLocks/>
+          </p:cNvSpPr>
+          <p:nvPr/>
+        </p:nvSpPr>
+        <p:spPr>
+          <a:xfrm>
+            <a:off x="4694852" y="1230815"/>
+            <a:ext cx="2802295" cy="810775"/>
+          </a:xfrm>
+          <a:prstGeom prst="rect">
+            <a:avLst/>
+          </a:prstGeom>
+        </p:spPr>
+        <p:txBody>
+          <a:bodyPr vert="horz" lIns="91440" tIns="45720" rIns="91440" bIns="45720" rtlCol="0" anchor="ctr">
+            <a:normAutofit fontScale="92500"/>
+          </a:bodyPr>
+          <a:lstStyle>
+            <a:lvl1pPr algn="l" defTabSz="914400" rtl="0" eaLnBrk="1" latinLnBrk="0" hangingPunct="1">
+              <a:lnSpc>
+                <a:spcPct val="90000"/>
+              </a:lnSpc>
+              <a:spcBef>
+                <a:spcPct val="0"/>
+              </a:spcBef>
+              <a:buNone/>
+              <a:defRPr kumimoji="1" sz="4400" kern="1200">
+                <a:solidFill>
+                  <a:schemeClr val="tx1"/>
+                </a:solidFill>
+                <a:latin typeface="+mj-lt"/>
+                <a:ea typeface="+mj-ea"/>
+                <a:cs typeface="+mj-cs"/>
+              </a:defRPr>
+            </a:lvl1pPr>
+          </a:lstStyle>
+          <a:p>
+            <a:pPr algn="ctr"/>
+            <a:r>
+              <a:rPr lang="ja-JP" altLang="en-US" sz="4000" b="1" dirty="0">
+                <a:latin typeface="富士ポップＰ" panose="040F0700000000000000" pitchFamily="50" charset="-128"/>
+                <a:ea typeface="富士ポップＰ" panose="040F0700000000000000" pitchFamily="50" charset="-128"/>
+              </a:rPr>
+              <a:t>すべてクリア</a:t>
+            </a:r>
+          </a:p>
+        </p:txBody>
+      </p:sp>
+    </p:spTree>
+    <p:extLst>
+      <p:ext uri="{BB962C8B-B14F-4D97-AF65-F5344CB8AC3E}">
+        <p14:creationId xmlns:p14="http://schemas.microsoft.com/office/powerpoint/2010/main" val="4030680606"/>
+      </p:ext>
+    </p:extLst>
+  </p:cSld>
+  <p:clrMapOvr>
+    <a:masterClrMapping/>
+  </p:clrMapOvr>
+</p:sld>
+</file>
+
+<file path=ppt/slides/slide17.xml><?xml version="1.0" encoding="utf-8"?>
+<p:sld xmlns:a="http://schemas.openxmlformats.org/drawingml/2006/main" xmlns:r="http://schemas.openxmlformats.org/officeDocument/2006/relationships" xmlns:p="http://schemas.openxmlformats.org/presentationml/2006/main">
+  <p:cSld>
+    <p:spTree>
+      <p:nvGrpSpPr>
+        <p:cNvPr id="1" name=""/>
+        <p:cNvGrpSpPr/>
+        <p:nvPr/>
+      </p:nvGrpSpPr>
+      <p:grpSpPr>
+        <a:xfrm>
+          <a:off x="0" y="0"/>
+          <a:ext cx="0" cy="0"/>
+          <a:chOff x="0" y="0"/>
+          <a:chExt cx="0" cy="0"/>
+        </a:xfrm>
+      </p:grpSpPr>
+      <p:pic>
+        <p:nvPicPr>
           <p:cNvPr id="9" name="図 8">
             <a:extLst>
               <a:ext uri="{FF2B5EF4-FFF2-40B4-BE49-F238E27FC236}">
@@ -5722,7 +6027,7 @@
 </p:sld>
 </file>
 
-<file path=ppt/slides/slide17.xml><?xml version="1.0" encoding="utf-8"?>
+<file path=ppt/slides/slide18.xml><?xml version="1.0" encoding="utf-8"?>
 <p:sld xmlns:a="http://schemas.openxmlformats.org/drawingml/2006/main" xmlns:r="http://schemas.openxmlformats.org/officeDocument/2006/relationships" xmlns:p="http://schemas.openxmlformats.org/presentationml/2006/main">
   <p:cSld>
     <p:spTree>
@@ -7115,6 +7420,62 @@
           </a:prstGeom>
         </p:spPr>
       </p:pic>
+      <p:sp>
+        <p:nvSpPr>
+          <p:cNvPr id="2" name="テキスト ボックス 1">
+            <a:extLst>
+              <a:ext uri="{FF2B5EF4-FFF2-40B4-BE49-F238E27FC236}">
+                <a16:creationId xmlns:a16="http://schemas.microsoft.com/office/drawing/2014/main" id="{CAEAA439-41B9-4E87-85DA-271D6B7DAE10}"/>
+              </a:ext>
+            </a:extLst>
+          </p:cNvPr>
+          <p:cNvSpPr txBox="1"/>
+          <p:nvPr/>
+        </p:nvSpPr>
+        <p:spPr>
+          <a:xfrm>
+            <a:off x="5177790" y="6345190"/>
+            <a:ext cx="1607058" cy="184666"/>
+          </a:xfrm>
+          <a:prstGeom prst="rect">
+            <a:avLst/>
+          </a:prstGeom>
+          <a:noFill/>
+        </p:spPr>
+        <p:txBody>
+          <a:bodyPr wrap="square" rtlCol="0">
+            <a:spAutoFit/>
+          </a:bodyPr>
+          <a:lstStyle/>
+          <a:p>
+            <a:r>
+              <a:rPr kumimoji="1" lang="en-US" altLang="ja-JP" sz="600" dirty="0">
+                <a:latin typeface="Courier New" panose="02070309020205020404" pitchFamily="49" charset="0"/>
+                <a:cs typeface="Courier New" panose="02070309020205020404" pitchFamily="49" charset="0"/>
+              </a:rPr>
+              <a:t>+ </a:t>
+            </a:r>
+            <a:r>
+              <a:rPr kumimoji="1" lang="en-US" altLang="ja-JP" sz="600" dirty="0" err="1">
+                <a:latin typeface="Courier New" panose="02070309020205020404" pitchFamily="49" charset="0"/>
+                <a:cs typeface="Courier New" panose="02070309020205020404" pitchFamily="49" charset="0"/>
+              </a:rPr>
+              <a:t>allClear</a:t>
+            </a:r>
+            <a:r>
+              <a:rPr kumimoji="1" lang="en-US" altLang="ja-JP" sz="600" dirty="0">
+                <a:latin typeface="Courier New" panose="02070309020205020404" pitchFamily="49" charset="0"/>
+                <a:cs typeface="Courier New" panose="02070309020205020404" pitchFamily="49" charset="0"/>
+              </a:rPr>
+              <a:t>(): void</a:t>
+            </a:r>
+            <a:endParaRPr kumimoji="1" lang="ja-JP" altLang="en-US" sz="600" dirty="0">
+              <a:latin typeface="Courier New" panose="02070309020205020404" pitchFamily="49" charset="0"/>
+              <a:cs typeface="Courier New" panose="02070309020205020404" pitchFamily="49" charset="0"/>
+            </a:endParaRPr>
+          </a:p>
+        </p:txBody>
+      </p:sp>
     </p:spTree>
     <p:extLst>
       <p:ext uri="{BB962C8B-B14F-4D97-AF65-F5344CB8AC3E}">
